--- a/exercises/invalid-message-channel-exercise.pptx
+++ b/exercises/invalid-message-channel-exercise.pptx
@@ -14,6 +14,10 @@
     <p:sldId id="266" r:id="rId8"/>
     <p:sldId id="265" r:id="rId9"/>
     <p:sldId id="268" r:id="rId10"/>
+    <p:sldId id="269" r:id="rId11"/>
+    <p:sldId id="270" r:id="rId12"/>
+    <p:sldId id="271" r:id="rId13"/>
+    <p:sldId id="272" r:id="rId14"/>
   </p:sldIdLst>
   <p:sldSz cx="12192000" cy="6858000"/>
   <p:notesSz cx="6858000" cy="9144000"/>
@@ -112,6 +116,11 @@
       </a:defRPr>
     </a:lvl9pPr>
   </p:defaultTextStyle>
+  <p:extLst>
+    <p:ext uri="{EFAFB233-063F-42B5-8137-9DF3F51BA10A}">
+      <p15:sldGuideLst xmlns:p15="http://schemas.microsoft.com/office/powerpoint/2012/main"/>
+    </p:ext>
+  </p:extLst>
 </p:presentation>
 </file>
 
@@ -264,7 +273,7 @@
           <a:p>
             <a:fld id="{DCE70B49-7458-8340-8BC8-FCBB70D164C5}" type="datetimeFigureOut">
               <a:rPr lang="en-US" smtClean="0"/>
-              <a:t>6/7/20</a:t>
+              <a:t>1/27/24</a:t>
             </a:fld>
             <a:endParaRPr lang="en-US"/>
           </a:p>
@@ -464,7 +473,7 @@
           <a:p>
             <a:fld id="{DCE70B49-7458-8340-8BC8-FCBB70D164C5}" type="datetimeFigureOut">
               <a:rPr lang="en-US" smtClean="0"/>
-              <a:t>6/7/20</a:t>
+              <a:t>1/27/24</a:t>
             </a:fld>
             <a:endParaRPr lang="en-US"/>
           </a:p>
@@ -674,7 +683,7 @@
           <a:p>
             <a:fld id="{DCE70B49-7458-8340-8BC8-FCBB70D164C5}" type="datetimeFigureOut">
               <a:rPr lang="en-US" smtClean="0"/>
-              <a:t>6/7/20</a:t>
+              <a:t>1/27/24</a:t>
             </a:fld>
             <a:endParaRPr lang="en-US"/>
           </a:p>
@@ -874,7 +883,7 @@
           <a:p>
             <a:fld id="{DCE70B49-7458-8340-8BC8-FCBB70D164C5}" type="datetimeFigureOut">
               <a:rPr lang="en-US" smtClean="0"/>
-              <a:t>6/7/20</a:t>
+              <a:t>1/27/24</a:t>
             </a:fld>
             <a:endParaRPr lang="en-US"/>
           </a:p>
@@ -1150,7 +1159,7 @@
           <a:p>
             <a:fld id="{DCE70B49-7458-8340-8BC8-FCBB70D164C5}" type="datetimeFigureOut">
               <a:rPr lang="en-US" smtClean="0"/>
-              <a:t>6/7/20</a:t>
+              <a:t>1/27/24</a:t>
             </a:fld>
             <a:endParaRPr lang="en-US"/>
           </a:p>
@@ -1418,7 +1427,7 @@
           <a:p>
             <a:fld id="{DCE70B49-7458-8340-8BC8-FCBB70D164C5}" type="datetimeFigureOut">
               <a:rPr lang="en-US" smtClean="0"/>
-              <a:t>6/7/20</a:t>
+              <a:t>1/27/24</a:t>
             </a:fld>
             <a:endParaRPr lang="en-US"/>
           </a:p>
@@ -1833,7 +1842,7 @@
           <a:p>
             <a:fld id="{DCE70B49-7458-8340-8BC8-FCBB70D164C5}" type="datetimeFigureOut">
               <a:rPr lang="en-US" smtClean="0"/>
-              <a:t>6/7/20</a:t>
+              <a:t>1/27/24</a:t>
             </a:fld>
             <a:endParaRPr lang="en-US"/>
           </a:p>
@@ -1975,7 +1984,7 @@
           <a:p>
             <a:fld id="{DCE70B49-7458-8340-8BC8-FCBB70D164C5}" type="datetimeFigureOut">
               <a:rPr lang="en-US" smtClean="0"/>
-              <a:t>6/7/20</a:t>
+              <a:t>1/27/24</a:t>
             </a:fld>
             <a:endParaRPr lang="en-US"/>
           </a:p>
@@ -2088,7 +2097,7 @@
           <a:p>
             <a:fld id="{DCE70B49-7458-8340-8BC8-FCBB70D164C5}" type="datetimeFigureOut">
               <a:rPr lang="en-US" smtClean="0"/>
-              <a:t>6/7/20</a:t>
+              <a:t>1/27/24</a:t>
             </a:fld>
             <a:endParaRPr lang="en-US"/>
           </a:p>
@@ -2401,7 +2410,7 @@
           <a:p>
             <a:fld id="{DCE70B49-7458-8340-8BC8-FCBB70D164C5}" type="datetimeFigureOut">
               <a:rPr lang="en-US" smtClean="0"/>
-              <a:t>6/7/20</a:t>
+              <a:t>1/27/24</a:t>
             </a:fld>
             <a:endParaRPr lang="en-US"/>
           </a:p>
@@ -2690,7 +2699,7 @@
           <a:p>
             <a:fld id="{DCE70B49-7458-8340-8BC8-FCBB70D164C5}" type="datetimeFigureOut">
               <a:rPr lang="en-US" smtClean="0"/>
-              <a:t>6/7/20</a:t>
+              <a:t>1/27/24</a:t>
             </a:fld>
             <a:endParaRPr lang="en-US"/>
           </a:p>
@@ -2933,7 +2942,7 @@
           <a:p>
             <a:fld id="{DCE70B49-7458-8340-8BC8-FCBB70D164C5}" type="datetimeFigureOut">
               <a:rPr lang="en-US" smtClean="0"/>
-              <a:t>6/7/20</a:t>
+              <a:t>1/27/24</a:t>
             </a:fld>
             <a:endParaRPr lang="en-US"/>
           </a:p>
@@ -3419,6 +3428,824 @@
 </p:sld>
 </file>
 
+<file path=ppt/slides/slide10.xml><?xml version="1.0" encoding="utf-8"?>
+<p:sld xmlns:a="http://schemas.openxmlformats.org/drawingml/2006/main" xmlns:r="http://schemas.openxmlformats.org/officeDocument/2006/relationships" xmlns:p="http://schemas.openxmlformats.org/presentationml/2006/main">
+  <p:cSld>
+    <p:spTree>
+      <p:nvGrpSpPr>
+        <p:cNvPr id="1" name=""/>
+        <p:cNvGrpSpPr/>
+        <p:nvPr/>
+      </p:nvGrpSpPr>
+      <p:grpSpPr>
+        <a:xfrm>
+          <a:off x="0" y="0"/>
+          <a:ext cx="0" cy="0"/>
+          <a:chOff x="0" y="0"/>
+          <a:chExt cx="0" cy="0"/>
+        </a:xfrm>
+      </p:grpSpPr>
+      <p:sp>
+        <p:nvSpPr>
+          <p:cNvPr id="2" name="Title 1">
+            <a:extLst>
+              <a:ext uri="{FF2B5EF4-FFF2-40B4-BE49-F238E27FC236}">
+                <a16:creationId xmlns:a16="http://schemas.microsoft.com/office/drawing/2014/main" id="{6903090A-A2F8-3245-83D2-906C40387AE6}"/>
+              </a:ext>
+            </a:extLst>
+          </p:cNvPr>
+          <p:cNvSpPr>
+            <a:spLocks noGrp="1"/>
+          </p:cNvSpPr>
+          <p:nvPr>
+            <p:ph type="title"/>
+          </p:nvPr>
+        </p:nvSpPr>
+        <p:spPr>
+          <a:xfrm>
+            <a:off x="920393" y="2820650"/>
+            <a:ext cx="10515600" cy="1019317"/>
+          </a:xfrm>
+        </p:spPr>
+        <p:txBody>
+          <a:bodyPr/>
+          <a:lstStyle/>
+          <a:p>
+            <a:pPr algn="ctr"/>
+            <a:r>
+              <a:rPr lang="en-US" dirty="0"/>
+              <a:t>Java</a:t>
+            </a:r>
+          </a:p>
+        </p:txBody>
+      </p:sp>
+    </p:spTree>
+    <p:extLst>
+      <p:ext uri="{BB962C8B-B14F-4D97-AF65-F5344CB8AC3E}">
+        <p14:creationId xmlns:p14="http://schemas.microsoft.com/office/powerpoint/2010/main" val="2024937394"/>
+      </p:ext>
+    </p:extLst>
+  </p:cSld>
+  <p:clrMapOvr>
+    <a:masterClrMapping/>
+  </p:clrMapOvr>
+</p:sld>
+</file>
+
+<file path=ppt/slides/slide11.xml><?xml version="1.0" encoding="utf-8"?>
+<p:sld xmlns:a="http://schemas.openxmlformats.org/drawingml/2006/main" xmlns:r="http://schemas.openxmlformats.org/officeDocument/2006/relationships" xmlns:p="http://schemas.openxmlformats.org/presentationml/2006/main">
+  <p:cSld>
+    <p:spTree>
+      <p:nvGrpSpPr>
+        <p:cNvPr id="1" name=""/>
+        <p:cNvGrpSpPr/>
+        <p:nvPr/>
+      </p:nvGrpSpPr>
+      <p:grpSpPr>
+        <a:xfrm>
+          <a:off x="0" y="0"/>
+          <a:ext cx="0" cy="0"/>
+          <a:chOff x="0" y="0"/>
+          <a:chExt cx="0" cy="0"/>
+        </a:xfrm>
+      </p:grpSpPr>
+      <p:pic>
+        <p:nvPicPr>
+          <p:cNvPr id="5" name="Picture 4">
+            <a:extLst>
+              <a:ext uri="{FF2B5EF4-FFF2-40B4-BE49-F238E27FC236}">
+                <a16:creationId xmlns:a16="http://schemas.microsoft.com/office/drawing/2014/main" id="{698B0EC7-15EA-C3E3-27B9-007135C34D76}"/>
+              </a:ext>
+            </a:extLst>
+          </p:cNvPr>
+          <p:cNvPicPr>
+            <a:picLocks noChangeAspect="1"/>
+          </p:cNvPicPr>
+          <p:nvPr/>
+        </p:nvPicPr>
+        <p:blipFill>
+          <a:blip r:embed="rId2"/>
+          <a:stretch>
+            <a:fillRect/>
+          </a:stretch>
+        </p:blipFill>
+        <p:spPr>
+          <a:xfrm>
+            <a:off x="383177" y="779286"/>
+            <a:ext cx="10906454" cy="5099000"/>
+          </a:xfrm>
+          <a:prstGeom prst="rect">
+            <a:avLst/>
+          </a:prstGeom>
+        </p:spPr>
+      </p:pic>
+      <p:sp>
+        <p:nvSpPr>
+          <p:cNvPr id="6" name="Line Callout 1 5">
+            <a:extLst>
+              <a:ext uri="{FF2B5EF4-FFF2-40B4-BE49-F238E27FC236}">
+                <a16:creationId xmlns:a16="http://schemas.microsoft.com/office/drawing/2014/main" id="{C6991234-125F-7DD8-A7E8-10F2C7F16F6E}"/>
+              </a:ext>
+            </a:extLst>
+          </p:cNvPr>
+          <p:cNvSpPr/>
+          <p:nvPr/>
+        </p:nvSpPr>
+        <p:spPr>
+          <a:xfrm>
+            <a:off x="5262387" y="1984497"/>
+            <a:ext cx="2738284" cy="814719"/>
+          </a:xfrm>
+          <a:prstGeom prst="borderCallout1">
+            <a:avLst>
+              <a:gd name="adj1" fmla="val 18750"/>
+              <a:gd name="adj2" fmla="val -8333"/>
+              <a:gd name="adj3" fmla="val 213505"/>
+              <a:gd name="adj4" fmla="val -47547"/>
+            </a:avLst>
+          </a:prstGeom>
+        </p:spPr>
+        <p:style>
+          <a:lnRef idx="2">
+            <a:schemeClr val="accent1">
+              <a:shade val="50000"/>
+            </a:schemeClr>
+          </a:lnRef>
+          <a:fillRef idx="1">
+            <a:schemeClr val="accent1"/>
+          </a:fillRef>
+          <a:effectRef idx="0">
+            <a:schemeClr val="accent1"/>
+          </a:effectRef>
+          <a:fontRef idx="minor">
+            <a:schemeClr val="lt1"/>
+          </a:fontRef>
+        </p:style>
+        <p:txBody>
+          <a:bodyPr rtlCol="0" anchor="ctr"/>
+          <a:lstStyle/>
+          <a:p>
+            <a:pPr algn="ctr"/>
+            <a:r>
+              <a:rPr lang="en-US" dirty="0"/>
+              <a:t>When we create our queue we pass it in the dead letter exchange name</a:t>
+            </a:r>
+          </a:p>
+        </p:txBody>
+      </p:sp>
+      <p:sp>
+        <p:nvSpPr>
+          <p:cNvPr id="7" name="Line Callout 1 6">
+            <a:extLst>
+              <a:ext uri="{FF2B5EF4-FFF2-40B4-BE49-F238E27FC236}">
+                <a16:creationId xmlns:a16="http://schemas.microsoft.com/office/drawing/2014/main" id="{C6AB08A1-5572-6052-FE89-D67E379B2180}"/>
+              </a:ext>
+            </a:extLst>
+          </p:cNvPr>
+          <p:cNvSpPr/>
+          <p:nvPr/>
+        </p:nvSpPr>
+        <p:spPr>
+          <a:xfrm>
+            <a:off x="8396087" y="2086939"/>
+            <a:ext cx="3412736" cy="1037526"/>
+          </a:xfrm>
+          <a:prstGeom prst="borderCallout1">
+            <a:avLst>
+              <a:gd name="adj1" fmla="val 106807"/>
+              <a:gd name="adj2" fmla="val 50131"/>
+              <a:gd name="adj3" fmla="val 184584"/>
+              <a:gd name="adj4" fmla="val -87285"/>
+            </a:avLst>
+          </a:prstGeom>
+        </p:spPr>
+        <p:style>
+          <a:lnRef idx="2">
+            <a:schemeClr val="accent1">
+              <a:shade val="50000"/>
+            </a:schemeClr>
+          </a:lnRef>
+          <a:fillRef idx="1">
+            <a:schemeClr val="accent1"/>
+          </a:fillRef>
+          <a:effectRef idx="0">
+            <a:schemeClr val="accent1"/>
+          </a:effectRef>
+          <a:fontRef idx="minor">
+            <a:schemeClr val="lt1"/>
+          </a:fontRef>
+        </p:style>
+        <p:txBody>
+          <a:bodyPr rtlCol="0" anchor="ctr"/>
+          <a:lstStyle/>
+          <a:p>
+            <a:pPr algn="ctr"/>
+            <a:r>
+              <a:rPr lang="en-US" dirty="0"/>
+              <a:t>To route to our DLQ we have to send in the routing key</a:t>
+            </a:r>
+          </a:p>
+        </p:txBody>
+      </p:sp>
+      <p:sp>
+        <p:nvSpPr>
+          <p:cNvPr id="8" name="Line Callout 1 7">
+            <a:extLst>
+              <a:ext uri="{FF2B5EF4-FFF2-40B4-BE49-F238E27FC236}">
+                <a16:creationId xmlns:a16="http://schemas.microsoft.com/office/drawing/2014/main" id="{502A94AC-A749-32CE-29E4-700BF7448455}"/>
+              </a:ext>
+            </a:extLst>
+          </p:cNvPr>
+          <p:cNvSpPr/>
+          <p:nvPr/>
+        </p:nvSpPr>
+        <p:spPr>
+          <a:xfrm>
+            <a:off x="10589280" y="3334191"/>
+            <a:ext cx="1430162" cy="2422417"/>
+          </a:xfrm>
+          <a:prstGeom prst="borderCallout1">
+            <a:avLst>
+              <a:gd name="adj1" fmla="val 79452"/>
+              <a:gd name="adj2" fmla="val -16973"/>
+              <a:gd name="adj3" fmla="val 78594"/>
+              <a:gd name="adj4" fmla="val -539592"/>
+            </a:avLst>
+          </a:prstGeom>
+        </p:spPr>
+        <p:style>
+          <a:lnRef idx="2">
+            <a:schemeClr val="accent1">
+              <a:shade val="50000"/>
+            </a:schemeClr>
+          </a:lnRef>
+          <a:fillRef idx="1">
+            <a:schemeClr val="accent1"/>
+          </a:fillRef>
+          <a:effectRef idx="0">
+            <a:schemeClr val="accent1"/>
+          </a:effectRef>
+          <a:fontRef idx="minor">
+            <a:schemeClr val="lt1"/>
+          </a:fontRef>
+        </p:style>
+        <p:txBody>
+          <a:bodyPr rtlCol="0" anchor="ctr"/>
+          <a:lstStyle/>
+          <a:p>
+            <a:pPr algn="ctr"/>
+            <a:r>
+              <a:rPr lang="en-US" dirty="0"/>
+              <a:t>We can create the dead letter exchange after we identify it when creating the queue</a:t>
+            </a:r>
+          </a:p>
+        </p:txBody>
+      </p:sp>
+      <p:sp>
+        <p:nvSpPr>
+          <p:cNvPr id="9" name="Line Callout 1 8">
+            <a:extLst>
+              <a:ext uri="{FF2B5EF4-FFF2-40B4-BE49-F238E27FC236}">
+                <a16:creationId xmlns:a16="http://schemas.microsoft.com/office/drawing/2014/main" id="{E59E687B-F3A9-913C-AEDE-F955592E8AD3}"/>
+              </a:ext>
+            </a:extLst>
+          </p:cNvPr>
+          <p:cNvSpPr/>
+          <p:nvPr/>
+        </p:nvSpPr>
+        <p:spPr>
+          <a:xfrm>
+            <a:off x="6689719" y="5758943"/>
+            <a:ext cx="3412736" cy="414782"/>
+          </a:xfrm>
+          <a:prstGeom prst="borderCallout1">
+            <a:avLst>
+              <a:gd name="adj1" fmla="val 18750"/>
+              <a:gd name="adj2" fmla="val -8333"/>
+              <a:gd name="adj3" fmla="val -77765"/>
+              <a:gd name="adj4" fmla="val -116459"/>
+            </a:avLst>
+          </a:prstGeom>
+        </p:spPr>
+        <p:style>
+          <a:lnRef idx="2">
+            <a:schemeClr val="accent1">
+              <a:shade val="50000"/>
+            </a:schemeClr>
+          </a:lnRef>
+          <a:fillRef idx="1">
+            <a:schemeClr val="accent1"/>
+          </a:fillRef>
+          <a:effectRef idx="0">
+            <a:schemeClr val="accent1"/>
+          </a:effectRef>
+          <a:fontRef idx="minor">
+            <a:schemeClr val="lt1"/>
+          </a:fontRef>
+        </p:style>
+        <p:txBody>
+          <a:bodyPr rtlCol="0" anchor="ctr"/>
+          <a:lstStyle/>
+          <a:p>
+            <a:pPr algn="ctr"/>
+            <a:r>
+              <a:rPr lang="en-US" dirty="0"/>
+              <a:t>We create the DLQ</a:t>
+            </a:r>
+          </a:p>
+        </p:txBody>
+      </p:sp>
+      <p:sp>
+        <p:nvSpPr>
+          <p:cNvPr id="10" name="Line Callout 1 9">
+            <a:extLst>
+              <a:ext uri="{FF2B5EF4-FFF2-40B4-BE49-F238E27FC236}">
+                <a16:creationId xmlns:a16="http://schemas.microsoft.com/office/drawing/2014/main" id="{196E4168-6AA5-463D-E5ED-CA186648E1B3}"/>
+              </a:ext>
+            </a:extLst>
+          </p:cNvPr>
+          <p:cNvSpPr/>
+          <p:nvPr/>
+        </p:nvSpPr>
+        <p:spPr>
+          <a:xfrm>
+            <a:off x="2052212" y="5858483"/>
+            <a:ext cx="3412736" cy="414782"/>
+          </a:xfrm>
+          <a:prstGeom prst="borderCallout1">
+            <a:avLst>
+              <a:gd name="adj1" fmla="val -22957"/>
+              <a:gd name="adj2" fmla="val 40547"/>
+              <a:gd name="adj3" fmla="val -74785"/>
+              <a:gd name="adj4" fmla="val 10269"/>
+            </a:avLst>
+          </a:prstGeom>
+        </p:spPr>
+        <p:style>
+          <a:lnRef idx="2">
+            <a:schemeClr val="accent1">
+              <a:shade val="50000"/>
+            </a:schemeClr>
+          </a:lnRef>
+          <a:fillRef idx="1">
+            <a:schemeClr val="accent1"/>
+          </a:fillRef>
+          <a:effectRef idx="0">
+            <a:schemeClr val="accent1"/>
+          </a:effectRef>
+          <a:fontRef idx="minor">
+            <a:schemeClr val="lt1"/>
+          </a:fontRef>
+        </p:style>
+        <p:txBody>
+          <a:bodyPr rtlCol="0" anchor="ctr"/>
+          <a:lstStyle/>
+          <a:p>
+            <a:pPr algn="ctr"/>
+            <a:r>
+              <a:rPr lang="en-US" dirty="0"/>
+              <a:t>We bind the DLQ</a:t>
+            </a:r>
+          </a:p>
+        </p:txBody>
+      </p:sp>
+    </p:spTree>
+    <p:extLst>
+      <p:ext uri="{BB962C8B-B14F-4D97-AF65-F5344CB8AC3E}">
+        <p14:creationId xmlns:p14="http://schemas.microsoft.com/office/powerpoint/2010/main" val="3262263722"/>
+      </p:ext>
+    </p:extLst>
+  </p:cSld>
+  <p:clrMapOvr>
+    <a:masterClrMapping/>
+  </p:clrMapOvr>
+</p:sld>
+</file>
+
+<file path=ppt/slides/slide12.xml><?xml version="1.0" encoding="utf-8"?>
+<p:sld xmlns:a="http://schemas.openxmlformats.org/drawingml/2006/main" xmlns:r="http://schemas.openxmlformats.org/officeDocument/2006/relationships" xmlns:p="http://schemas.openxmlformats.org/presentationml/2006/main">
+  <p:cSld>
+    <p:spTree>
+      <p:nvGrpSpPr>
+        <p:cNvPr id="1" name=""/>
+        <p:cNvGrpSpPr/>
+        <p:nvPr/>
+      </p:nvGrpSpPr>
+      <p:grpSpPr>
+        <a:xfrm>
+          <a:off x="0" y="0"/>
+          <a:ext cx="0" cy="0"/>
+          <a:chOff x="0" y="0"/>
+          <a:chExt cx="0" cy="0"/>
+        </a:xfrm>
+      </p:grpSpPr>
+      <p:sp>
+        <p:nvSpPr>
+          <p:cNvPr id="2" name="Title 1">
+            <a:extLst>
+              <a:ext uri="{FF2B5EF4-FFF2-40B4-BE49-F238E27FC236}">
+                <a16:creationId xmlns:a16="http://schemas.microsoft.com/office/drawing/2014/main" id="{6903090A-A2F8-3245-83D2-906C40387AE6}"/>
+              </a:ext>
+            </a:extLst>
+          </p:cNvPr>
+          <p:cNvSpPr>
+            <a:spLocks noGrp="1"/>
+          </p:cNvSpPr>
+          <p:nvPr>
+            <p:ph type="title"/>
+          </p:nvPr>
+        </p:nvSpPr>
+        <p:spPr>
+          <a:xfrm>
+            <a:off x="920393" y="2820650"/>
+            <a:ext cx="10515600" cy="1019317"/>
+          </a:xfrm>
+        </p:spPr>
+        <p:txBody>
+          <a:bodyPr/>
+          <a:lstStyle/>
+          <a:p>
+            <a:pPr algn="ctr"/>
+            <a:r>
+              <a:rPr lang="en-US" dirty="0"/>
+              <a:t>Go</a:t>
+            </a:r>
+          </a:p>
+        </p:txBody>
+      </p:sp>
+    </p:spTree>
+    <p:extLst>
+      <p:ext uri="{BB962C8B-B14F-4D97-AF65-F5344CB8AC3E}">
+        <p14:creationId xmlns:p14="http://schemas.microsoft.com/office/powerpoint/2010/main" val="4079934383"/>
+      </p:ext>
+    </p:extLst>
+  </p:cSld>
+  <p:clrMapOvr>
+    <a:masterClrMapping/>
+  </p:clrMapOvr>
+</p:sld>
+</file>
+
+<file path=ppt/slides/slide13.xml><?xml version="1.0" encoding="utf-8"?>
+<p:sld xmlns:a="http://schemas.openxmlformats.org/drawingml/2006/main" xmlns:r="http://schemas.openxmlformats.org/officeDocument/2006/relationships" xmlns:p="http://schemas.openxmlformats.org/presentationml/2006/main">
+  <p:cSld>
+    <p:spTree>
+      <p:nvGrpSpPr>
+        <p:cNvPr id="1" name=""/>
+        <p:cNvGrpSpPr/>
+        <p:nvPr/>
+      </p:nvGrpSpPr>
+      <p:grpSpPr>
+        <a:xfrm>
+          <a:off x="0" y="0"/>
+          <a:ext cx="0" cy="0"/>
+          <a:chOff x="0" y="0"/>
+          <a:chExt cx="0" cy="0"/>
+        </a:xfrm>
+      </p:grpSpPr>
+      <p:pic>
+        <p:nvPicPr>
+          <p:cNvPr id="7" name="Picture 6">
+            <a:extLst>
+              <a:ext uri="{FF2B5EF4-FFF2-40B4-BE49-F238E27FC236}">
+                <a16:creationId xmlns:a16="http://schemas.microsoft.com/office/drawing/2014/main" id="{D6B625B0-2FDD-B059-937D-68B9B0906336}"/>
+              </a:ext>
+            </a:extLst>
+          </p:cNvPr>
+          <p:cNvPicPr>
+            <a:picLocks noChangeAspect="1"/>
+          </p:cNvPicPr>
+          <p:nvPr/>
+        </p:nvPicPr>
+        <p:blipFill>
+          <a:blip r:embed="rId2"/>
+          <a:stretch>
+            <a:fillRect/>
+          </a:stretch>
+        </p:blipFill>
+        <p:spPr>
+          <a:xfrm>
+            <a:off x="526226" y="806733"/>
+            <a:ext cx="6031505" cy="5801368"/>
+          </a:xfrm>
+          <a:prstGeom prst="rect">
+            <a:avLst/>
+          </a:prstGeom>
+        </p:spPr>
+      </p:pic>
+      <p:pic>
+        <p:nvPicPr>
+          <p:cNvPr id="5" name="Picture 4">
+            <a:extLst>
+              <a:ext uri="{FF2B5EF4-FFF2-40B4-BE49-F238E27FC236}">
+                <a16:creationId xmlns:a16="http://schemas.microsoft.com/office/drawing/2014/main" id="{229BEE6C-3514-2814-BB57-2DBF67408061}"/>
+              </a:ext>
+            </a:extLst>
+          </p:cNvPr>
+          <p:cNvPicPr>
+            <a:picLocks noChangeAspect="1"/>
+          </p:cNvPicPr>
+          <p:nvPr/>
+        </p:nvPicPr>
+        <p:blipFill>
+          <a:blip r:embed="rId3"/>
+          <a:stretch>
+            <a:fillRect/>
+          </a:stretch>
+        </p:blipFill>
+        <p:spPr>
+          <a:xfrm>
+            <a:off x="4247042" y="249899"/>
+            <a:ext cx="7772400" cy="2053474"/>
+          </a:xfrm>
+          <a:prstGeom prst="rect">
+            <a:avLst/>
+          </a:prstGeom>
+        </p:spPr>
+      </p:pic>
+      <p:sp>
+        <p:nvSpPr>
+          <p:cNvPr id="8" name="Line Callout 1 7">
+            <a:extLst>
+              <a:ext uri="{FF2B5EF4-FFF2-40B4-BE49-F238E27FC236}">
+                <a16:creationId xmlns:a16="http://schemas.microsoft.com/office/drawing/2014/main" id="{20CEC56E-5C10-CAEC-447F-46D354C49DE8}"/>
+              </a:ext>
+            </a:extLst>
+          </p:cNvPr>
+          <p:cNvSpPr/>
+          <p:nvPr/>
+        </p:nvSpPr>
+        <p:spPr>
+          <a:xfrm>
+            <a:off x="8650022" y="286673"/>
+            <a:ext cx="2738284" cy="814719"/>
+          </a:xfrm>
+          <a:prstGeom prst="borderCallout1">
+            <a:avLst>
+              <a:gd name="adj1" fmla="val 106400"/>
+              <a:gd name="adj2" fmla="val 44778"/>
+              <a:gd name="adj3" fmla="val 154715"/>
+              <a:gd name="adj4" fmla="val -58996"/>
+            </a:avLst>
+          </a:prstGeom>
+        </p:spPr>
+        <p:style>
+          <a:lnRef idx="2">
+            <a:schemeClr val="accent1">
+              <a:shade val="50000"/>
+            </a:schemeClr>
+          </a:lnRef>
+          <a:fillRef idx="1">
+            <a:schemeClr val="accent1"/>
+          </a:fillRef>
+          <a:effectRef idx="0">
+            <a:schemeClr val="accent1"/>
+          </a:effectRef>
+          <a:fontRef idx="minor">
+            <a:schemeClr val="lt1"/>
+          </a:fontRef>
+        </p:style>
+        <p:txBody>
+          <a:bodyPr rtlCol="0" anchor="ctr"/>
+          <a:lstStyle/>
+          <a:p>
+            <a:pPr algn="ctr"/>
+            <a:r>
+              <a:rPr lang="en-US" dirty="0"/>
+              <a:t>When we create our queue we pass it in the dead letter exchange name</a:t>
+            </a:r>
+          </a:p>
+        </p:txBody>
+      </p:sp>
+      <p:sp>
+        <p:nvSpPr>
+          <p:cNvPr id="9" name="Line Callout 1 8">
+            <a:extLst>
+              <a:ext uri="{FF2B5EF4-FFF2-40B4-BE49-F238E27FC236}">
+                <a16:creationId xmlns:a16="http://schemas.microsoft.com/office/drawing/2014/main" id="{8401508B-2E08-7C51-15EA-1BB66A476351}"/>
+              </a:ext>
+            </a:extLst>
+          </p:cNvPr>
+          <p:cNvSpPr/>
+          <p:nvPr/>
+        </p:nvSpPr>
+        <p:spPr>
+          <a:xfrm>
+            <a:off x="8396087" y="2086939"/>
+            <a:ext cx="3412736" cy="1037526"/>
+          </a:xfrm>
+          <a:prstGeom prst="borderCallout1">
+            <a:avLst>
+              <a:gd name="adj1" fmla="val -2310"/>
+              <a:gd name="adj2" fmla="val 50386"/>
+              <a:gd name="adj3" fmla="val -31971"/>
+              <a:gd name="adj4" fmla="val 73222"/>
+            </a:avLst>
+          </a:prstGeom>
+        </p:spPr>
+        <p:style>
+          <a:lnRef idx="2">
+            <a:schemeClr val="accent1">
+              <a:shade val="50000"/>
+            </a:schemeClr>
+          </a:lnRef>
+          <a:fillRef idx="1">
+            <a:schemeClr val="accent1"/>
+          </a:fillRef>
+          <a:effectRef idx="0">
+            <a:schemeClr val="accent1"/>
+          </a:effectRef>
+          <a:fontRef idx="minor">
+            <a:schemeClr val="lt1"/>
+          </a:fontRef>
+        </p:style>
+        <p:txBody>
+          <a:bodyPr rtlCol="0" anchor="ctr"/>
+          <a:lstStyle/>
+          <a:p>
+            <a:pPr algn="ctr"/>
+            <a:r>
+              <a:rPr lang="en-US" dirty="0"/>
+              <a:t>To route to our DLQ we have to send in the routing key</a:t>
+            </a:r>
+          </a:p>
+        </p:txBody>
+      </p:sp>
+      <p:sp>
+        <p:nvSpPr>
+          <p:cNvPr id="10" name="Line Callout 1 9">
+            <a:extLst>
+              <a:ext uri="{FF2B5EF4-FFF2-40B4-BE49-F238E27FC236}">
+                <a16:creationId xmlns:a16="http://schemas.microsoft.com/office/drawing/2014/main" id="{88F98157-F8FE-3309-A55D-C2598B5BF742}"/>
+              </a:ext>
+            </a:extLst>
+          </p:cNvPr>
+          <p:cNvSpPr/>
+          <p:nvPr/>
+        </p:nvSpPr>
+        <p:spPr>
+          <a:xfrm>
+            <a:off x="7656371" y="3228830"/>
+            <a:ext cx="2509682" cy="1704196"/>
+          </a:xfrm>
+          <a:prstGeom prst="borderCallout1">
+            <a:avLst>
+              <a:gd name="adj1" fmla="val 62078"/>
+              <a:gd name="adj2" fmla="val -13503"/>
+              <a:gd name="adj3" fmla="val -82373"/>
+              <a:gd name="adj4" fmla="val -205085"/>
+            </a:avLst>
+          </a:prstGeom>
+        </p:spPr>
+        <p:style>
+          <a:lnRef idx="2">
+            <a:schemeClr val="accent1">
+              <a:shade val="50000"/>
+            </a:schemeClr>
+          </a:lnRef>
+          <a:fillRef idx="1">
+            <a:schemeClr val="accent1"/>
+          </a:fillRef>
+          <a:effectRef idx="0">
+            <a:schemeClr val="accent1"/>
+          </a:effectRef>
+          <a:fontRef idx="minor">
+            <a:schemeClr val="lt1"/>
+          </a:fontRef>
+        </p:style>
+        <p:txBody>
+          <a:bodyPr rtlCol="0" anchor="ctr"/>
+          <a:lstStyle/>
+          <a:p>
+            <a:pPr algn="ctr"/>
+            <a:r>
+              <a:rPr lang="en-US" dirty="0"/>
+              <a:t>We can create the dead letter exchange after we identify it when creating the queue</a:t>
+            </a:r>
+          </a:p>
+        </p:txBody>
+      </p:sp>
+      <p:sp>
+        <p:nvSpPr>
+          <p:cNvPr id="11" name="Line Callout 1 10">
+            <a:extLst>
+              <a:ext uri="{FF2B5EF4-FFF2-40B4-BE49-F238E27FC236}">
+                <a16:creationId xmlns:a16="http://schemas.microsoft.com/office/drawing/2014/main" id="{74EF1CE4-C5D2-4F87-9E48-A3AB75A06266}"/>
+              </a:ext>
+            </a:extLst>
+          </p:cNvPr>
+          <p:cNvSpPr/>
+          <p:nvPr/>
+        </p:nvSpPr>
+        <p:spPr>
+          <a:xfrm>
+            <a:off x="6689719" y="5758943"/>
+            <a:ext cx="3412736" cy="414782"/>
+          </a:xfrm>
+          <a:prstGeom prst="borderCallout1">
+            <a:avLst>
+              <a:gd name="adj1" fmla="val 18750"/>
+              <a:gd name="adj2" fmla="val -8333"/>
+              <a:gd name="adj3" fmla="val -560662"/>
+              <a:gd name="adj4" fmla="val -129983"/>
+            </a:avLst>
+          </a:prstGeom>
+        </p:spPr>
+        <p:style>
+          <a:lnRef idx="2">
+            <a:schemeClr val="accent1">
+              <a:shade val="50000"/>
+            </a:schemeClr>
+          </a:lnRef>
+          <a:fillRef idx="1">
+            <a:schemeClr val="accent1"/>
+          </a:fillRef>
+          <a:effectRef idx="0">
+            <a:schemeClr val="accent1"/>
+          </a:effectRef>
+          <a:fontRef idx="minor">
+            <a:schemeClr val="lt1"/>
+          </a:fontRef>
+        </p:style>
+        <p:txBody>
+          <a:bodyPr rtlCol="0" anchor="ctr"/>
+          <a:lstStyle/>
+          <a:p>
+            <a:pPr algn="ctr"/>
+            <a:r>
+              <a:rPr lang="en-US" dirty="0"/>
+              <a:t>We create the DLQ</a:t>
+            </a:r>
+          </a:p>
+        </p:txBody>
+      </p:sp>
+      <p:sp>
+        <p:nvSpPr>
+          <p:cNvPr id="12" name="Line Callout 1 11">
+            <a:extLst>
+              <a:ext uri="{FF2B5EF4-FFF2-40B4-BE49-F238E27FC236}">
+                <a16:creationId xmlns:a16="http://schemas.microsoft.com/office/drawing/2014/main" id="{A6404602-AC33-D101-5FCF-849321094F9C}"/>
+              </a:ext>
+            </a:extLst>
+          </p:cNvPr>
+          <p:cNvSpPr/>
+          <p:nvPr/>
+        </p:nvSpPr>
+        <p:spPr>
+          <a:xfrm>
+            <a:off x="2052212" y="5858483"/>
+            <a:ext cx="3412736" cy="414782"/>
+          </a:xfrm>
+          <a:prstGeom prst="borderCallout1">
+            <a:avLst>
+              <a:gd name="adj1" fmla="val -22957"/>
+              <a:gd name="adj2" fmla="val 40547"/>
+              <a:gd name="adj3" fmla="val -74785"/>
+              <a:gd name="adj4" fmla="val 10269"/>
+            </a:avLst>
+          </a:prstGeom>
+        </p:spPr>
+        <p:style>
+          <a:lnRef idx="2">
+            <a:schemeClr val="accent1">
+              <a:shade val="50000"/>
+            </a:schemeClr>
+          </a:lnRef>
+          <a:fillRef idx="1">
+            <a:schemeClr val="accent1"/>
+          </a:fillRef>
+          <a:effectRef idx="0">
+            <a:schemeClr val="accent1"/>
+          </a:effectRef>
+          <a:fontRef idx="minor">
+            <a:schemeClr val="lt1"/>
+          </a:fontRef>
+        </p:style>
+        <p:txBody>
+          <a:bodyPr rtlCol="0" anchor="ctr"/>
+          <a:lstStyle/>
+          <a:p>
+            <a:pPr algn="ctr"/>
+            <a:r>
+              <a:rPr lang="en-US" dirty="0"/>
+              <a:t>We bind the DLQ</a:t>
+            </a:r>
+          </a:p>
+        </p:txBody>
+      </p:sp>
+    </p:spTree>
+    <p:extLst>
+      <p:ext uri="{BB962C8B-B14F-4D97-AF65-F5344CB8AC3E}">
+        <p14:creationId xmlns:p14="http://schemas.microsoft.com/office/powerpoint/2010/main" val="2469712165"/>
+      </p:ext>
+    </p:extLst>
+  </p:cSld>
+  <p:clrMapOvr>
+    <a:masterClrMapping/>
+  </p:clrMapOvr>
+</p:sld>
+</file>
+
 <file path=ppt/slides/slide2.xml><?xml version="1.0" encoding="utf-8"?>
 <p:sld xmlns:a="http://schemas.openxmlformats.org/drawingml/2006/main" xmlns:r="http://schemas.openxmlformats.org/officeDocument/2006/relationships" xmlns:p="http://schemas.openxmlformats.org/presentationml/2006/main">
   <p:cSld>

--- a/exercises/invalid-message-channel-exercise.pptx
+++ b/exercises/invalid-message-channel-exercise.pptx
@@ -273,7 +273,7 @@
           <a:p>
             <a:fld id="{DCE70B49-7458-8340-8BC8-FCBB70D164C5}" type="datetimeFigureOut">
               <a:rPr lang="en-US" smtClean="0"/>
-              <a:t>1/27/24</a:t>
+              <a:t>6/9/24</a:t>
             </a:fld>
             <a:endParaRPr lang="en-US"/>
           </a:p>
@@ -473,7 +473,7 @@
           <a:p>
             <a:fld id="{DCE70B49-7458-8340-8BC8-FCBB70D164C5}" type="datetimeFigureOut">
               <a:rPr lang="en-US" smtClean="0"/>
-              <a:t>1/27/24</a:t>
+              <a:t>6/9/24</a:t>
             </a:fld>
             <a:endParaRPr lang="en-US"/>
           </a:p>
@@ -683,7 +683,7 @@
           <a:p>
             <a:fld id="{DCE70B49-7458-8340-8BC8-FCBB70D164C5}" type="datetimeFigureOut">
               <a:rPr lang="en-US" smtClean="0"/>
-              <a:t>1/27/24</a:t>
+              <a:t>6/9/24</a:t>
             </a:fld>
             <a:endParaRPr lang="en-US"/>
           </a:p>
@@ -883,7 +883,7 @@
           <a:p>
             <a:fld id="{DCE70B49-7458-8340-8BC8-FCBB70D164C5}" type="datetimeFigureOut">
               <a:rPr lang="en-US" smtClean="0"/>
-              <a:t>1/27/24</a:t>
+              <a:t>6/9/24</a:t>
             </a:fld>
             <a:endParaRPr lang="en-US"/>
           </a:p>
@@ -1159,7 +1159,7 @@
           <a:p>
             <a:fld id="{DCE70B49-7458-8340-8BC8-FCBB70D164C5}" type="datetimeFigureOut">
               <a:rPr lang="en-US" smtClean="0"/>
-              <a:t>1/27/24</a:t>
+              <a:t>6/9/24</a:t>
             </a:fld>
             <a:endParaRPr lang="en-US"/>
           </a:p>
@@ -1427,7 +1427,7 @@
           <a:p>
             <a:fld id="{DCE70B49-7458-8340-8BC8-FCBB70D164C5}" type="datetimeFigureOut">
               <a:rPr lang="en-US" smtClean="0"/>
-              <a:t>1/27/24</a:t>
+              <a:t>6/9/24</a:t>
             </a:fld>
             <a:endParaRPr lang="en-US"/>
           </a:p>
@@ -1842,7 +1842,7 @@
           <a:p>
             <a:fld id="{DCE70B49-7458-8340-8BC8-FCBB70D164C5}" type="datetimeFigureOut">
               <a:rPr lang="en-US" smtClean="0"/>
-              <a:t>1/27/24</a:t>
+              <a:t>6/9/24</a:t>
             </a:fld>
             <a:endParaRPr lang="en-US"/>
           </a:p>
@@ -1984,7 +1984,7 @@
           <a:p>
             <a:fld id="{DCE70B49-7458-8340-8BC8-FCBB70D164C5}" type="datetimeFigureOut">
               <a:rPr lang="en-US" smtClean="0"/>
-              <a:t>1/27/24</a:t>
+              <a:t>6/9/24</a:t>
             </a:fld>
             <a:endParaRPr lang="en-US"/>
           </a:p>
@@ -2097,7 +2097,7 @@
           <a:p>
             <a:fld id="{DCE70B49-7458-8340-8BC8-FCBB70D164C5}" type="datetimeFigureOut">
               <a:rPr lang="en-US" smtClean="0"/>
-              <a:t>1/27/24</a:t>
+              <a:t>6/9/24</a:t>
             </a:fld>
             <a:endParaRPr lang="en-US"/>
           </a:p>
@@ -2410,7 +2410,7 @@
           <a:p>
             <a:fld id="{DCE70B49-7458-8340-8BC8-FCBB70D164C5}" type="datetimeFigureOut">
               <a:rPr lang="en-US" smtClean="0"/>
-              <a:t>1/27/24</a:t>
+              <a:t>6/9/24</a:t>
             </a:fld>
             <a:endParaRPr lang="en-US"/>
           </a:p>
@@ -2699,7 +2699,7 @@
           <a:p>
             <a:fld id="{DCE70B49-7458-8340-8BC8-FCBB70D164C5}" type="datetimeFigureOut">
               <a:rPr lang="en-US" smtClean="0"/>
-              <a:t>1/27/24</a:t>
+              <a:t>6/9/24</a:t>
             </a:fld>
             <a:endParaRPr lang="en-US"/>
           </a:p>
@@ -2942,7 +2942,7 @@
           <a:p>
             <a:fld id="{DCE70B49-7458-8340-8BC8-FCBB70D164C5}" type="datetimeFigureOut">
               <a:rPr lang="en-US" smtClean="0"/>
-              <a:t>1/27/24</a:t>
+              <a:t>6/9/24</a:t>
             </a:fld>
             <a:endParaRPr lang="en-US"/>
           </a:p>
